--- a/generated_ppts/Quantum_Computing.pptx
+++ b/generated_ppts/Quantum_Computing.pptx
@@ -3087,6 +3087,14 @@
 <file path=ppt/slides/slide1.xml><?xml version="1.0" encoding="utf-8"?>
 <p:sld xmlns:a="http://schemas.openxmlformats.org/drawingml/2006/main" xmlns:p="http://schemas.openxmlformats.org/presentationml/2006/main" xmlns:r="http://schemas.openxmlformats.org/officeDocument/2006/relationships">
   <p:cSld>
+    <p:bg>
+      <p:bgPr>
+        <a:solidFill>
+          <a:srgbClr val="000000"/>
+        </a:solidFill>
+        <a:effectLst/>
+      </p:bgPr>
+    </p:bg>
     <p:spTree>
       <p:nvGrpSpPr>
         <p:cNvPr id="1" name=""/>
@@ -3109,6 +3117,14 @@
           <a:bodyPr/>
           <a:lstStyle/>
           <a:p>
+            <a:pPr>
+              <a:defRPr>
+                <a:solidFill>
+                  <a:srgbClr val="07ACE4"/>
+                </a:solidFill>
+                <a:latin typeface="Times New Roman"/>
+              </a:defRPr>
+            </a:pPr>
             <a:r>
               <a:t>Quantum Computing</a:t>
             </a:r>
@@ -3130,6 +3146,14 @@
           <a:bodyPr/>
           <a:lstStyle/>
           <a:p>
+            <a:pPr>
+              <a:defRPr>
+                <a:solidFill>
+                  <a:srgbClr val="07ACE4"/>
+                </a:solidFill>
+                <a:latin typeface="Times New Roman"/>
+              </a:defRPr>
+            </a:pPr>
             <a:r>
               <a:t>AI-Generated Presentation</a:t>
             </a:r>
@@ -3147,6 +3171,14 @@
 <file path=ppt/slides/slide2.xml><?xml version="1.0" encoding="utf-8"?>
 <p:sld xmlns:a="http://schemas.openxmlformats.org/drawingml/2006/main" xmlns:p="http://schemas.openxmlformats.org/presentationml/2006/main" xmlns:r="http://schemas.openxmlformats.org/officeDocument/2006/relationships">
   <p:cSld>
+    <p:bg>
+      <p:bgPr>
+        <a:solidFill>
+          <a:srgbClr val="000000"/>
+        </a:solidFill>
+        <a:effectLst/>
+      </p:bgPr>
+    </p:bg>
     <p:spTree>
       <p:nvGrpSpPr>
         <p:cNvPr id="1" name=""/>
@@ -3169,6 +3201,14 @@
           <a:bodyPr/>
           <a:lstStyle/>
           <a:p>
+            <a:pPr>
+              <a:defRPr>
+                <a:solidFill>
+                  <a:srgbClr val="07ACE4"/>
+                </a:solidFill>
+                <a:latin typeface="Times New Roman"/>
+              </a:defRPr>
+            </a:pPr>
             <a:r>
               <a:t>Introduction - Quantum Computing</a:t>
             </a:r>
@@ -3184,7 +3224,7 @@
         <p:spPr>
           <a:xfrm>
             <a:off x="914400" y="1828800"/>
-            <a:ext cx="8229600" cy="4572000"/>
+            <a:ext cx="9144000" cy="3657600"/>
           </a:xfrm>
           <a:prstGeom prst="rect">
             <a:avLst/>
@@ -3197,14 +3237,25 @@
           </a:bodyPr>
           <a:lstStyle/>
           <a:p>
+            <a:pPr>
+              <a:defRPr>
+                <a:solidFill>
+                  <a:srgbClr val="07ACE4"/>
+                </a:solidFill>
+                <a:latin typeface="Times New Roman"/>
+              </a:defRPr>
+            </a:pPr>
             <a:r>
               <a:t>Introduction on Quantum Computing:</a:t>
             </a:r>
           </a:p>
           <a:p>
             <a:pPr>
-              <a:defRPr sz="2200">
-                <a:latin typeface="Arial"/>
+              <a:defRPr sz="2000">
+                <a:solidFill>
+                  <a:srgbClr val="07ACE4"/>
+                </a:solidFill>
+                <a:latin typeface="Times New Roman"/>
               </a:defRPr>
             </a:pPr>
             <a:r>
@@ -3213,8 +3264,11 @@
           </a:p>
           <a:p>
             <a:pPr>
-              <a:defRPr sz="2200">
-                <a:latin typeface="Arial"/>
+              <a:defRPr sz="2000">
+                <a:solidFill>
+                  <a:srgbClr val="07ACE4"/>
+                </a:solidFill>
+                <a:latin typeface="Times New Roman"/>
               </a:defRPr>
             </a:pPr>
             <a:r>
@@ -3223,8 +3277,11 @@
           </a:p>
           <a:p>
             <a:pPr>
-              <a:defRPr sz="2200">
-                <a:latin typeface="Arial"/>
+              <a:defRPr sz="2000">
+                <a:solidFill>
+                  <a:srgbClr val="07ACE4"/>
+                </a:solidFill>
+                <a:latin typeface="Times New Roman"/>
               </a:defRPr>
             </a:pPr>
             <a:r>
@@ -3233,8 +3290,11 @@
           </a:p>
           <a:p>
             <a:pPr>
-              <a:defRPr sz="2200">
-                <a:latin typeface="Arial"/>
+              <a:defRPr sz="2000">
+                <a:solidFill>
+                  <a:srgbClr val="07ACE4"/>
+                </a:solidFill>
+                <a:latin typeface="Times New Roman"/>
               </a:defRPr>
             </a:pPr>
             <a:r>
@@ -3264,7 +3324,7 @@
         <p:spPr>
           <a:xfrm>
             <a:off x="10058400" y="1828800"/>
-            <a:ext cx="3657600" cy="2743200"/>
+            <a:ext cx="3657600" cy="2058135"/>
           </a:xfrm>
           <a:prstGeom prst="rect">
             <a:avLst/>
@@ -3282,6 +3342,14 @@
 <file path=ppt/slides/slide3.xml><?xml version="1.0" encoding="utf-8"?>
 <p:sld xmlns:a="http://schemas.openxmlformats.org/drawingml/2006/main" xmlns:p="http://schemas.openxmlformats.org/presentationml/2006/main" xmlns:r="http://schemas.openxmlformats.org/officeDocument/2006/relationships">
   <p:cSld>
+    <p:bg>
+      <p:bgPr>
+        <a:solidFill>
+          <a:srgbClr val="000000"/>
+        </a:solidFill>
+        <a:effectLst/>
+      </p:bgPr>
+    </p:bg>
     <p:spTree>
       <p:nvGrpSpPr>
         <p:cNvPr id="1" name=""/>
@@ -3304,6 +3372,14 @@
           <a:bodyPr/>
           <a:lstStyle/>
           <a:p>
+            <a:pPr>
+              <a:defRPr>
+                <a:solidFill>
+                  <a:srgbClr val="07ACE4"/>
+                </a:solidFill>
+                <a:latin typeface="Times New Roman"/>
+              </a:defRPr>
+            </a:pPr>
             <a:r>
               <a:t>Key Features - Quantum Computing</a:t>
             </a:r>
@@ -3319,7 +3395,7 @@
         <p:spPr>
           <a:xfrm>
             <a:off x="914400" y="1828800"/>
-            <a:ext cx="8229600" cy="4572000"/>
+            <a:ext cx="9144000" cy="3657600"/>
           </a:xfrm>
           <a:prstGeom prst="rect">
             <a:avLst/>
@@ -3332,14 +3408,25 @@
           </a:bodyPr>
           <a:lstStyle/>
           <a:p>
+            <a:pPr>
+              <a:defRPr>
+                <a:solidFill>
+                  <a:srgbClr val="07ACE4"/>
+                </a:solidFill>
+                <a:latin typeface="Times New Roman"/>
+              </a:defRPr>
+            </a:pPr>
             <a:r>
               <a:t>Key Features on Quantum Computing:</a:t>
             </a:r>
           </a:p>
           <a:p>
             <a:pPr>
-              <a:defRPr sz="2200">
-                <a:latin typeface="Arial"/>
+              <a:defRPr sz="2000">
+                <a:solidFill>
+                  <a:srgbClr val="07ACE4"/>
+                </a:solidFill>
+                <a:latin typeface="Times New Roman"/>
               </a:defRPr>
             </a:pPr>
             <a:r>
@@ -3357,8 +3444,11 @@
           </a:p>
           <a:p>
             <a:pPr>
-              <a:defRPr sz="2200">
-                <a:latin typeface="Arial"/>
+              <a:defRPr sz="2000">
+                <a:solidFill>
+                  <a:srgbClr val="07ACE4"/>
+                </a:solidFill>
+                <a:latin typeface="Times New Roman"/>
               </a:defRPr>
             </a:pPr>
             <a:r>
@@ -3367,8 +3457,11 @@
           </a:p>
           <a:p>
             <a:pPr>
-              <a:defRPr sz="2200">
-                <a:latin typeface="Arial"/>
+              <a:defRPr sz="2000">
+                <a:solidFill>
+                  <a:srgbClr val="07ACE4"/>
+                </a:solidFill>
+                <a:latin typeface="Times New Roman"/>
               </a:defRPr>
             </a:pPr>
             <a:r>
@@ -3377,8 +3470,11 @@
           </a:p>
           <a:p>
             <a:pPr>
-              <a:defRPr sz="2200">
-                <a:latin typeface="Arial"/>
+              <a:defRPr sz="2000">
+                <a:solidFill>
+                  <a:srgbClr val="07ACE4"/>
+                </a:solidFill>
+                <a:latin typeface="Times New Roman"/>
               </a:defRPr>
             </a:pPr>
             <a:r>
@@ -3404,7 +3500,7 @@
         <p:spPr>
           <a:xfrm>
             <a:off x="10058400" y="1828800"/>
-            <a:ext cx="3657600" cy="2743200"/>
+            <a:ext cx="3657600" cy="2058135"/>
           </a:xfrm>
           <a:prstGeom prst="rect">
             <a:avLst/>
@@ -3422,6 +3518,14 @@
 <file path=ppt/slides/slide4.xml><?xml version="1.0" encoding="utf-8"?>
 <p:sld xmlns:a="http://schemas.openxmlformats.org/drawingml/2006/main" xmlns:p="http://schemas.openxmlformats.org/presentationml/2006/main" xmlns:r="http://schemas.openxmlformats.org/officeDocument/2006/relationships">
   <p:cSld>
+    <p:bg>
+      <p:bgPr>
+        <a:solidFill>
+          <a:srgbClr val="000000"/>
+        </a:solidFill>
+        <a:effectLst/>
+      </p:bgPr>
+    </p:bg>
     <p:spTree>
       <p:nvGrpSpPr>
         <p:cNvPr id="1" name=""/>
@@ -3444,6 +3548,14 @@
           <a:bodyPr/>
           <a:lstStyle/>
           <a:p>
+            <a:pPr>
+              <a:defRPr>
+                <a:solidFill>
+                  <a:srgbClr val="07ACE4"/>
+                </a:solidFill>
+                <a:latin typeface="Times New Roman"/>
+              </a:defRPr>
+            </a:pPr>
             <a:r>
               <a:t>Benefits - Quantum Computing</a:t>
             </a:r>
@@ -3459,7 +3571,7 @@
         <p:spPr>
           <a:xfrm>
             <a:off x="914400" y="1828800"/>
-            <a:ext cx="8229600" cy="4572000"/>
+            <a:ext cx="9144000" cy="3657600"/>
           </a:xfrm>
           <a:prstGeom prst="rect">
             <a:avLst/>
@@ -3472,14 +3584,25 @@
           </a:bodyPr>
           <a:lstStyle/>
           <a:p>
+            <a:pPr>
+              <a:defRPr>
+                <a:solidFill>
+                  <a:srgbClr val="07ACE4"/>
+                </a:solidFill>
+                <a:latin typeface="Times New Roman"/>
+              </a:defRPr>
+            </a:pPr>
             <a:r>
               <a:t>Benefits on Quantum Computing:</a:t>
             </a:r>
           </a:p>
           <a:p>
             <a:pPr>
-              <a:defRPr sz="2200">
-                <a:latin typeface="Arial"/>
+              <a:defRPr sz="2000">
+                <a:solidFill>
+                  <a:srgbClr val="07ACE4"/>
+                </a:solidFill>
+                <a:latin typeface="Times New Roman"/>
               </a:defRPr>
             </a:pPr>
             <a:r>
@@ -3488,8 +3611,11 @@
           </a:p>
           <a:p>
             <a:pPr>
-              <a:defRPr sz="2200">
-                <a:latin typeface="Arial"/>
+              <a:defRPr sz="2000">
+                <a:solidFill>
+                  <a:srgbClr val="07ACE4"/>
+                </a:solidFill>
+                <a:latin typeface="Times New Roman"/>
               </a:defRPr>
             </a:pPr>
             <a:r>
@@ -3498,8 +3624,11 @@
           </a:p>
           <a:p>
             <a:pPr>
-              <a:defRPr sz="2200">
-                <a:latin typeface="Arial"/>
+              <a:defRPr sz="2000">
+                <a:solidFill>
+                  <a:srgbClr val="07ACE4"/>
+                </a:solidFill>
+                <a:latin typeface="Times New Roman"/>
               </a:defRPr>
             </a:pPr>
             <a:r>
@@ -3508,8 +3637,11 @@
           </a:p>
           <a:p>
             <a:pPr>
-              <a:defRPr sz="2200">
-                <a:latin typeface="Arial"/>
+              <a:defRPr sz="2000">
+                <a:solidFill>
+                  <a:srgbClr val="07ACE4"/>
+                </a:solidFill>
+                <a:latin typeface="Times New Roman"/>
               </a:defRPr>
             </a:pPr>
             <a:r>
@@ -3535,7 +3667,7 @@
         <p:spPr>
           <a:xfrm>
             <a:off x="10058400" y="1828800"/>
-            <a:ext cx="3657600" cy="2743200"/>
+            <a:ext cx="3657600" cy="2058135"/>
           </a:xfrm>
           <a:prstGeom prst="rect">
             <a:avLst/>
@@ -3553,6 +3685,14 @@
 <file path=ppt/slides/slide5.xml><?xml version="1.0" encoding="utf-8"?>
 <p:sld xmlns:a="http://schemas.openxmlformats.org/drawingml/2006/main" xmlns:p="http://schemas.openxmlformats.org/presentationml/2006/main" xmlns:r="http://schemas.openxmlformats.org/officeDocument/2006/relationships">
   <p:cSld>
+    <p:bg>
+      <p:bgPr>
+        <a:solidFill>
+          <a:srgbClr val="000000"/>
+        </a:solidFill>
+        <a:effectLst/>
+      </p:bgPr>
+    </p:bg>
     <p:spTree>
       <p:nvGrpSpPr>
         <p:cNvPr id="1" name=""/>
@@ -3575,6 +3715,14 @@
           <a:bodyPr/>
           <a:lstStyle/>
           <a:p>
+            <a:pPr>
+              <a:defRPr>
+                <a:solidFill>
+                  <a:srgbClr val="07ACE4"/>
+                </a:solidFill>
+                <a:latin typeface="Times New Roman"/>
+              </a:defRPr>
+            </a:pPr>
             <a:r>
               <a:t>Challenges - Quantum Computing</a:t>
             </a:r>
@@ -3590,7 +3738,7 @@
         <p:spPr>
           <a:xfrm>
             <a:off x="914400" y="1828800"/>
-            <a:ext cx="8229600" cy="4572000"/>
+            <a:ext cx="9144000" cy="3657600"/>
           </a:xfrm>
           <a:prstGeom prst="rect">
             <a:avLst/>
@@ -3603,18 +3751,72 @@
           </a:bodyPr>
           <a:lstStyle/>
           <a:p>
+            <a:pPr>
+              <a:defRPr>
+                <a:solidFill>
+                  <a:srgbClr val="07ACE4"/>
+                </a:solidFill>
+                <a:latin typeface="Times New Roman"/>
+              </a:defRPr>
+            </a:pPr>
             <a:r>
               <a:t>Challenges on Quantum Computing:</a:t>
             </a:r>
           </a:p>
           <a:p>
             <a:pPr>
-              <a:defRPr sz="2200">
-                <a:latin typeface="Arial"/>
+              <a:defRPr sz="2000">
+                <a:solidFill>
+                  <a:srgbClr val="07ACE4"/>
+                </a:solidFill>
+                <a:latin typeface="Times New Roman"/>
               </a:defRPr>
             </a:pPr>
             <a:r>
-              <a:t>- No relevant data found.</a:t>
+              <a:t>- A quantum computer is a computer that exploits quantum mechanical phenomena</a:t>
+            </a:r>
+          </a:p>
+          <a:p>
+            <a:pPr>
+              <a:defRPr sz="2000">
+                <a:solidFill>
+                  <a:srgbClr val="07ACE4"/>
+                </a:solidFill>
+                <a:latin typeface="Times New Roman"/>
+              </a:defRPr>
+            </a:pPr>
+            <a:r>
+              <a:t>- On small scales, physical matter exhibits properties of both particles and waves, and quantum computing leverages this behavior using specialized hardware</a:t>
+            </a:r>
+          </a:p>
+          <a:p>
+            <a:pPr>
+              <a:defRPr sz="2000">
+                <a:solidFill>
+                  <a:srgbClr val="07ACE4"/>
+                </a:solidFill>
+                <a:latin typeface="Times New Roman"/>
+              </a:defRPr>
+            </a:pPr>
+            <a:r>
+              <a:t>- Classical physics cannot explain the operation of these quantum devices, and a scalable quantum computer could perform some calculations exponentially faster than any modern "classical" computer</a:t>
+            </a:r>
+          </a:p>
+          <a:p>
+            <a:pPr>
+              <a:defRPr sz="2000">
+                <a:solidFill>
+                  <a:srgbClr val="07ACE4"/>
+                </a:solidFill>
+                <a:latin typeface="Times New Roman"/>
+              </a:defRPr>
+            </a:pPr>
+            <a:r>
+              <a:t>- Theoretically a large-scale quantum computer could break some widely used encryption schemes and aid physicists in performing physical simulations; however, the current state of the art is largely experimental and impractical, with several obstacles to useful applications.</a:t>
+            </a:r>
+            <a:br/>
+            <a:r>
+              <a:t>The basic unit of information in quantum computing, the qubit (or "quantum bit"), serves the same function as the bit in classical computing.</a:t>
             </a:r>
           </a:p>
         </p:txBody>
@@ -3636,7 +3838,7 @@
         <p:spPr>
           <a:xfrm>
             <a:off x="10058400" y="1828800"/>
-            <a:ext cx="3657600" cy="2743200"/>
+            <a:ext cx="3657600" cy="2058135"/>
           </a:xfrm>
           <a:prstGeom prst="rect">
             <a:avLst/>
@@ -3654,6 +3856,14 @@
 <file path=ppt/slides/slide6.xml><?xml version="1.0" encoding="utf-8"?>
 <p:sld xmlns:a="http://schemas.openxmlformats.org/drawingml/2006/main" xmlns:p="http://schemas.openxmlformats.org/presentationml/2006/main" xmlns:r="http://schemas.openxmlformats.org/officeDocument/2006/relationships">
   <p:cSld>
+    <p:bg>
+      <p:bgPr>
+        <a:solidFill>
+          <a:srgbClr val="000000"/>
+        </a:solidFill>
+        <a:effectLst/>
+      </p:bgPr>
+    </p:bg>
     <p:spTree>
       <p:nvGrpSpPr>
         <p:cNvPr id="1" name=""/>
@@ -3676,6 +3886,14 @@
           <a:bodyPr/>
           <a:lstStyle/>
           <a:p>
+            <a:pPr>
+              <a:defRPr>
+                <a:solidFill>
+                  <a:srgbClr val="07ACE4"/>
+                </a:solidFill>
+                <a:latin typeface="Times New Roman"/>
+              </a:defRPr>
+            </a:pPr>
             <a:r>
               <a:t>Future Scope - Quantum Computing</a:t>
             </a:r>
@@ -3691,7 +3909,7 @@
         <p:spPr>
           <a:xfrm>
             <a:off x="914400" y="1828800"/>
-            <a:ext cx="8229600" cy="4572000"/>
+            <a:ext cx="9144000" cy="3657600"/>
           </a:xfrm>
           <a:prstGeom prst="rect">
             <a:avLst/>
@@ -3704,14 +3922,25 @@
           </a:bodyPr>
           <a:lstStyle/>
           <a:p>
+            <a:pPr>
+              <a:defRPr>
+                <a:solidFill>
+                  <a:srgbClr val="07ACE4"/>
+                </a:solidFill>
+                <a:latin typeface="Times New Roman"/>
+              </a:defRPr>
+            </a:pPr>
             <a:r>
               <a:t>Future Scope on Quantum Computing:</a:t>
             </a:r>
           </a:p>
           <a:p>
             <a:pPr>
-              <a:defRPr sz="2200">
-                <a:latin typeface="Arial"/>
+              <a:defRPr sz="2000">
+                <a:solidFill>
+                  <a:srgbClr val="07ACE4"/>
+                </a:solidFill>
+                <a:latin typeface="Times New Roman"/>
               </a:defRPr>
             </a:pPr>
             <a:r>
@@ -3720,6 +3949,30 @@
           </a:p>
         </p:txBody>
       </p:sp>
+      <p:pic>
+        <p:nvPicPr>
+          <p:cNvPr id="4" name="Picture 3" descr="image.jpg"/>
+          <p:cNvPicPr>
+            <a:picLocks noChangeAspect="1"/>
+          </p:cNvPicPr>
+          <p:nvPr/>
+        </p:nvPicPr>
+        <p:blipFill>
+          <a:blip r:embed="rId2"/>
+          <a:stretch>
+            <a:fillRect/>
+          </a:stretch>
+        </p:blipFill>
+        <p:spPr>
+          <a:xfrm>
+            <a:off x="10058400" y="1828800"/>
+            <a:ext cx="3657600" cy="2438400"/>
+          </a:xfrm>
+          <a:prstGeom prst="rect">
+            <a:avLst/>
+          </a:prstGeom>
+        </p:spPr>
+      </p:pic>
     </p:spTree>
   </p:cSld>
   <p:clrMapOvr>
@@ -3731,6 +3984,14 @@
 <file path=ppt/slides/slide7.xml><?xml version="1.0" encoding="utf-8"?>
 <p:sld xmlns:a="http://schemas.openxmlformats.org/drawingml/2006/main" xmlns:p="http://schemas.openxmlformats.org/presentationml/2006/main" xmlns:r="http://schemas.openxmlformats.org/officeDocument/2006/relationships">
   <p:cSld>
+    <p:bg>
+      <p:bgPr>
+        <a:solidFill>
+          <a:srgbClr val="000000"/>
+        </a:solidFill>
+        <a:effectLst/>
+      </p:bgPr>
+    </p:bg>
     <p:spTree>
       <p:nvGrpSpPr>
         <p:cNvPr id="1" name=""/>
@@ -3753,6 +4014,14 @@
           <a:bodyPr/>
           <a:lstStyle/>
           <a:p>
+            <a:pPr>
+              <a:defRPr>
+                <a:solidFill>
+                  <a:srgbClr val="07ACE4"/>
+                </a:solidFill>
+                <a:latin typeface="Times New Roman"/>
+              </a:defRPr>
+            </a:pPr>
             <a:r>
               <a:t>Conclusion</a:t>
             </a:r>
@@ -3781,6 +4050,14 @@
           </a:bodyPr>
           <a:lstStyle/>
           <a:p>
+            <a:pPr>
+              <a:defRPr>
+                <a:solidFill>
+                  <a:srgbClr val="07ACE4"/>
+                </a:solidFill>
+                <a:latin typeface="Times New Roman"/>
+              </a:defRPr>
+            </a:pPr>
             <a:r>
               <a:t>Key Takeaways:</a:t>
             </a:r>
@@ -3788,7 +4065,10 @@
           <a:p>
             <a:pPr>
               <a:defRPr sz="2200">
-                <a:latin typeface="Arial"/>
+                <a:solidFill>
+                  <a:srgbClr val="07ACE4"/>
+                </a:solidFill>
+                <a:latin typeface="Times New Roman"/>
               </a:defRPr>
             </a:pPr>
             <a:r>
@@ -3798,7 +4078,10 @@
           <a:p>
             <a:pPr>
               <a:defRPr sz="2200">
-                <a:latin typeface="Arial"/>
+                <a:solidFill>
+                  <a:srgbClr val="07ACE4"/>
+                </a:solidFill>
+                <a:latin typeface="Times New Roman"/>
               </a:defRPr>
             </a:pPr>
             <a:r>
@@ -3808,7 +4091,10 @@
           <a:p>
             <a:pPr>
               <a:defRPr sz="2200">
-                <a:latin typeface="Arial"/>
+                <a:solidFill>
+                  <a:srgbClr val="07ACE4"/>
+                </a:solidFill>
+                <a:latin typeface="Times New Roman"/>
               </a:defRPr>
             </a:pPr>
             <a:r>
@@ -3818,7 +4104,10 @@
           <a:p>
             <a:pPr>
               <a:defRPr sz="2200">
-                <a:latin typeface="Arial"/>
+                <a:solidFill>
+                  <a:srgbClr val="07ACE4"/>
+                </a:solidFill>
+                <a:latin typeface="Times New Roman"/>
               </a:defRPr>
             </a:pPr>
             <a:r>
@@ -3828,7 +4117,10 @@
           <a:p>
             <a:pPr>
               <a:defRPr sz="2200">
-                <a:latin typeface="Arial"/>
+                <a:solidFill>
+                  <a:srgbClr val="07ACE4"/>
+                </a:solidFill>
+                <a:latin typeface="Times New Roman"/>
               </a:defRPr>
             </a:pPr>
             <a:r>

--- a/generated_ppts/Quantum_Computing.pptx
+++ b/generated_ppts/Quantum_Computing.pptx
@@ -10,8 +10,6 @@
     <p:sldId id="258" r:id="rId9"/>
     <p:sldId id="259" r:id="rId10"/>
     <p:sldId id="260" r:id="rId11"/>
-    <p:sldId id="261" r:id="rId12"/>
-    <p:sldId id="262" r:id="rId13"/>
   </p:sldIdLst>
   <p:sldSz cx="14630400" cy="8229600" type="screen4x3"/>
   <p:notesSz cx="6858000" cy="9144000"/>
@@ -3090,7 +3088,7 @@
     <p:bg>
       <p:bgPr>
         <a:solidFill>
-          <a:srgbClr val="000000"/>
+          <a:srgbClr val="FFFFFF"/>
         </a:solidFill>
         <a:effectLst/>
       </p:bgPr>
@@ -3109,7 +3107,7 @@
             <a:spLocks noGrp="1"/>
           </p:cNvSpPr>
           <p:nvPr>
-            <p:ph type="ctrTitle"/>
+            <p:ph type="title"/>
           </p:nvPr>
         </p:nvSpPr>
         <p:spPr/>
@@ -3120,93 +3118,9 @@
             <a:pPr>
               <a:defRPr>
                 <a:solidFill>
-                  <a:srgbClr val="07ACE4"/>
+                  <a:srgbClr val="000000"/>
                 </a:solidFill>
-                <a:latin typeface="Times New Roman"/>
-              </a:defRPr>
-            </a:pPr>
-            <a:r>
-              <a:t>Quantum Computing</a:t>
-            </a:r>
-          </a:p>
-        </p:txBody>
-      </p:sp>
-      <p:sp>
-        <p:nvSpPr>
-          <p:cNvPr id="3" name="Subtitle 2"/>
-          <p:cNvSpPr>
-            <a:spLocks noGrp="1"/>
-          </p:cNvSpPr>
-          <p:nvPr>
-            <p:ph type="subTitle" idx="1"/>
-          </p:nvPr>
-        </p:nvSpPr>
-        <p:spPr/>
-        <p:txBody>
-          <a:bodyPr/>
-          <a:lstStyle/>
-          <a:p>
-            <a:pPr>
-              <a:defRPr>
-                <a:solidFill>
-                  <a:srgbClr val="07ACE4"/>
-                </a:solidFill>
-                <a:latin typeface="Times New Roman"/>
-              </a:defRPr>
-            </a:pPr>
-            <a:r>
-              <a:t>AI-Generated Presentation</a:t>
-            </a:r>
-          </a:p>
-        </p:txBody>
-      </p:sp>
-    </p:spTree>
-  </p:cSld>
-  <p:clrMapOvr>
-    <a:masterClrMapping/>
-  </p:clrMapOvr>
-</p:sld>
-</file>
-
-<file path=ppt/slides/slide2.xml><?xml version="1.0" encoding="utf-8"?>
-<p:sld xmlns:a="http://schemas.openxmlformats.org/drawingml/2006/main" xmlns:p="http://schemas.openxmlformats.org/presentationml/2006/main" xmlns:r="http://schemas.openxmlformats.org/officeDocument/2006/relationships">
-  <p:cSld>
-    <p:bg>
-      <p:bgPr>
-        <a:solidFill>
-          <a:srgbClr val="000000"/>
-        </a:solidFill>
-        <a:effectLst/>
-      </p:bgPr>
-    </p:bg>
-    <p:spTree>
-      <p:nvGrpSpPr>
-        <p:cNvPr id="1" name=""/>
-        <p:cNvGrpSpPr/>
-        <p:nvPr/>
-      </p:nvGrpSpPr>
-      <p:grpSpPr/>
-      <p:sp>
-        <p:nvSpPr>
-          <p:cNvPr id="2" name="Title 1"/>
-          <p:cNvSpPr>
-            <a:spLocks noGrp="1"/>
-          </p:cNvSpPr>
-          <p:nvPr>
-            <p:ph type="title"/>
-          </p:nvPr>
-        </p:nvSpPr>
-        <p:spPr/>
-        <p:txBody>
-          <a:bodyPr/>
-          <a:lstStyle/>
-          <a:p>
-            <a:pPr>
-              <a:defRPr>
-                <a:solidFill>
-                  <a:srgbClr val="07ACE4"/>
-                </a:solidFill>
-                <a:latin typeface="Times New Roman"/>
+                <a:latin typeface="Verdana"/>
               </a:defRPr>
             </a:pPr>
             <a:r>
@@ -3240,67 +3154,31 @@
             <a:pPr>
               <a:defRPr>
                 <a:solidFill>
-                  <a:srgbClr val="07ACE4"/>
+                  <a:srgbClr val="000000"/>
                 </a:solidFill>
-                <a:latin typeface="Times New Roman"/>
+                <a:latin typeface="Verdana"/>
               </a:defRPr>
             </a:pPr>
             <a:r>
-              <a:t>Introduction on Quantum Computing:</a:t>
-            </a:r>
-          </a:p>
-          <a:p>
-            <a:pPr>
-              <a:defRPr sz="2000">
-                <a:solidFill>
-                  <a:srgbClr val="07ACE4"/>
-                </a:solidFill>
-                <a:latin typeface="Times New Roman"/>
-              </a:defRPr>
-            </a:pPr>
-            <a:r>
-              <a:t>- A quantum computer is a computer that exploits quantum mechanical phenomena</a:t>
-            </a:r>
-          </a:p>
-          <a:p>
-            <a:pPr>
-              <a:defRPr sz="2000">
-                <a:solidFill>
-                  <a:srgbClr val="07ACE4"/>
-                </a:solidFill>
-                <a:latin typeface="Times New Roman"/>
-              </a:defRPr>
-            </a:pPr>
-            <a:r>
-              <a:t>- On small scales, physical matter exhibits properties of both particles and waves, and quantum computing leverages this behavior using specialized hardware</a:t>
-            </a:r>
-          </a:p>
-          <a:p>
-            <a:pPr>
-              <a:defRPr sz="2000">
-                <a:solidFill>
-                  <a:srgbClr val="07ACE4"/>
-                </a:solidFill>
-                <a:latin typeface="Times New Roman"/>
-              </a:defRPr>
-            </a:pPr>
-            <a:r>
-              <a:t>- Classical physics cannot explain the operation of these quantum devices, and a scalable quantum computer could perform some calculations exponentially faster than any modern "classical" computer</a:t>
-            </a:r>
-          </a:p>
-          <a:p>
-            <a:pPr>
-              <a:defRPr sz="2000">
-                <a:solidFill>
-                  <a:srgbClr val="07ACE4"/>
-                </a:solidFill>
-                <a:latin typeface="Times New Roman"/>
-              </a:defRPr>
-            </a:pPr>
-            <a:r>
-              <a:t>- Theoretically a large-scale quantum computer could break some widely used encryption schemes and aid physicists in performing physical simulations; however, the current state of the art is largely experimental and impractical, with several obstacles to useful applications.</a:t>
-            </a:r>
-            <a:br/>
+              <a:t>A quantum computer is a computer that exploits quantum mechanical phenomena</a:t>
+            </a:r>
+          </a:p>
+          <a:p>
+            <a:r>
+              <a:t>On small scales, physical matter exhibits properties of both particles and waves, and quantum computing leverages this behavior using specialized hardware</a:t>
+            </a:r>
+          </a:p>
+          <a:p>
+            <a:r>
+              <a:t>Classical physics cannot explain the operation of these quantum devices, and a scalable quantum computer could perform some calculations exponentially faster than any modern "classical" computer</a:t>
+            </a:r>
+          </a:p>
+          <a:p>
+            <a:r>
+              <a:t>Theoretically a large-scale quantum computer could break some widely used encryption schemes and aid physicists in performing physical simulations; however, the current state of the art is largely experimental and impractical, with several obstacles to useful applications.</a:t>
+            </a:r>
+          </a:p>
+          <a:p>
             <a:r>
               <a:t>The basic unit of information in quantum computing, the qubit (or "quantum bit"), serves the same function as the bit in classical computing.</a:t>
             </a:r>
@@ -3309,14 +3187,47 @@
       </p:sp>
       <p:pic>
         <p:nvPicPr>
-          <p:cNvPr id="4" name="Picture 3" descr="image.jpg"/>
+          <p:cNvPr id="4" name="Quantum_Computing_slide1.mp3">
+            <a:hlinkClick r:id="" action="ppaction://media"/>
+          </p:cNvPr>
+          <p:cNvPicPr>
+            <a:picLocks noChangeAspect="1"/>
+          </p:cNvPicPr>
+          <p:nvPr>
+            <a:videoFile r:link="rId3"/>
+            <p:extLst>
+              <p:ext uri="{DAA4B4D4-6D71-4841-9C94-3DE7FCFB9230}">
+                <p14:media xmlns:p14="http://schemas.microsoft.com/office/powerpoint/2010/main" r:embed="rId2"/>
+              </p:ext>
+            </p:extLst>
+          </p:nvPr>
+        </p:nvPicPr>
+        <p:blipFill>
+          <a:blip r:embed="rId4"/>
+          <a:stretch>
+            <a:fillRect/>
+          </a:stretch>
+        </p:blipFill>
+        <p:spPr>
+          <a:xfrm>
+            <a:off x="914400" y="5486400"/>
+            <a:ext cx="1828800" cy="1828800"/>
+          </a:xfrm>
+          <a:prstGeom prst="rect">
+            <a:avLst/>
+          </a:prstGeom>
+        </p:spPr>
+      </p:pic>
+      <p:pic>
+        <p:nvPicPr>
+          <p:cNvPr id="5" name="Picture 4" descr="image.jpg"/>
           <p:cNvPicPr>
             <a:picLocks noChangeAspect="1"/>
           </p:cNvPicPr>
           <p:nvPr/>
         </p:nvPicPr>
         <p:blipFill>
-          <a:blip r:embed="rId2"/>
+          <a:blip r:embed="rId5"/>
           <a:stretch>
             <a:fillRect/>
           </a:stretch>
@@ -3336,16 +3247,38 @@
   <p:clrMapOvr>
     <a:masterClrMapping/>
   </p:clrMapOvr>
+  <p:timing>
+    <p:tnLst>
+      <p:par>
+        <p:cTn id="1" dur="indefinite" restart="never" nodeType="tmRoot">
+          <p:childTnLst>
+            <p:video>
+              <p:cMediaNode vol="80000">
+                <p:cTn id="2" fill="hold" display="0">
+                  <p:stCondLst>
+                    <p:cond delay="indefinite"/>
+                  </p:stCondLst>
+                </p:cTn>
+                <p:tgtEl>
+                  <p:spTgt spid="4"/>
+                </p:tgtEl>
+              </p:cMediaNode>
+            </p:video>
+          </p:childTnLst>
+        </p:cTn>
+      </p:par>
+    </p:tnLst>
+  </p:timing>
 </p:sld>
 </file>
 
-<file path=ppt/slides/slide3.xml><?xml version="1.0" encoding="utf-8"?>
+<file path=ppt/slides/slide2.xml><?xml version="1.0" encoding="utf-8"?>
 <p:sld xmlns:a="http://schemas.openxmlformats.org/drawingml/2006/main" xmlns:p="http://schemas.openxmlformats.org/presentationml/2006/main" xmlns:r="http://schemas.openxmlformats.org/officeDocument/2006/relationships">
   <p:cSld>
     <p:bg>
       <p:bgPr>
         <a:solidFill>
-          <a:srgbClr val="000000"/>
+          <a:srgbClr val="FFFFFF"/>
         </a:solidFill>
         <a:effectLst/>
       </p:bgPr>
@@ -3375,9 +3308,9 @@
             <a:pPr>
               <a:defRPr>
                 <a:solidFill>
-                  <a:srgbClr val="07ACE4"/>
+                  <a:srgbClr val="000000"/>
                 </a:solidFill>
-                <a:latin typeface="Times New Roman"/>
+                <a:latin typeface="Verdana"/>
               </a:defRPr>
             </a:pPr>
             <a:r>
@@ -3411,88 +3344,80 @@
             <a:pPr>
               <a:defRPr>
                 <a:solidFill>
-                  <a:srgbClr val="07ACE4"/>
+                  <a:srgbClr val="000000"/>
                 </a:solidFill>
-                <a:latin typeface="Times New Roman"/>
+                <a:latin typeface="Verdana"/>
               </a:defRPr>
             </a:pPr>
             <a:r>
-              <a:t>Key Features on Quantum Computing:</a:t>
-            </a:r>
-          </a:p>
-          <a:p>
-            <a:pPr>
-              <a:defRPr sz="2000">
-                <a:solidFill>
-                  <a:srgbClr val="07ACE4"/>
-                </a:solidFill>
-                <a:latin typeface="Times New Roman"/>
-              </a:defRPr>
-            </a:pPr>
-            <a:r>
-              <a:t>- This glossary of quantum computing is a list of definitions of terms and concepts used in quantum computing, its sub-disciplines, and related fields.</a:t>
-            </a:r>
-            <a:br/>
-            <a:br/>
-            <a:r>
-              <a:t>Bacon–Shor code</a:t>
-            </a:r>
-            <a:br/>
-            <a:r>
-              <a:t>is a Subsystem error correcting code</a:t>
-            </a:r>
-          </a:p>
-          <a:p>
-            <a:pPr>
-              <a:defRPr sz="2000">
-                <a:solidFill>
-                  <a:srgbClr val="07ACE4"/>
-                </a:solidFill>
-                <a:latin typeface="Times New Roman"/>
-              </a:defRPr>
-            </a:pPr>
-            <a:r>
-              <a:t>- In a Subsystem code, information is encoded in a subsystem of a Hilbert space</a:t>
-            </a:r>
-          </a:p>
-          <a:p>
-            <a:pPr>
-              <a:defRPr sz="2000">
-                <a:solidFill>
-                  <a:srgbClr val="07ACE4"/>
-                </a:solidFill>
-                <a:latin typeface="Times New Roman"/>
-              </a:defRPr>
-            </a:pPr>
-            <a:r>
-              <a:t>- Subsystem codes lend to simplified error correcting procedures unlike codes which encode information in the subspace of a Hilbert space</a:t>
-            </a:r>
-          </a:p>
-          <a:p>
-            <a:pPr>
-              <a:defRPr sz="2000">
-                <a:solidFill>
-                  <a:srgbClr val="07ACE4"/>
-                </a:solidFill>
-                <a:latin typeface="Times New Roman"/>
-              </a:defRPr>
-            </a:pPr>
-            <a:r>
-              <a:t>- This simplicity led to the first demonstration of fault tolerant circuits on a quantum computer.</a:t>
+              <a:t>Cloud-based quantum computing is the invocation of quantum emulators, simulators or processors through the cloud</a:t>
+            </a:r>
+          </a:p>
+          <a:p>
+            <a:r>
+              <a:t>Increasingly, cloud services are being looked on as the method for providing access to quantum processing</a:t>
+            </a:r>
+          </a:p>
+          <a:p>
+            <a:r>
+              <a:t>Quantum computers achieve their massive computing power by initiating quantum physics into processing power and when users are allowed access to these quantum-powered computers through the internet it is known as quantum computing within the cloud.</a:t>
+            </a:r>
+          </a:p>
+          <a:p>
+            <a:r>
+              <a:t>In 2016, IBM connected a small quantum computer to the cloud and it allows for simple programs to be built and executed on the cloud</a:t>
+            </a:r>
+          </a:p>
+          <a:p>
+            <a:r>
+              <a:t>In early 2017, researchers from Rigetti Computing demonstrated the first programmable cloud access using the pyQuil Python library.</a:t>
             </a:r>
           </a:p>
         </p:txBody>
       </p:sp>
       <p:pic>
         <p:nvPicPr>
-          <p:cNvPr id="4" name="Picture 3" descr="image.jpg"/>
+          <p:cNvPr id="4" name="Quantum_Computing_slide2.mp3">
+            <a:hlinkClick r:id="" action="ppaction://media"/>
+          </p:cNvPr>
+          <p:cNvPicPr>
+            <a:picLocks noChangeAspect="1"/>
+          </p:cNvPicPr>
+          <p:nvPr>
+            <a:videoFile r:link="rId3"/>
+            <p:extLst>
+              <p:ext uri="{DAA4B4D4-6D71-4841-9C94-3DE7FCFB9230}">
+                <p14:media xmlns:p14="http://schemas.microsoft.com/office/powerpoint/2010/main" r:embed="rId2"/>
+              </p:ext>
+            </p:extLst>
+          </p:nvPr>
+        </p:nvPicPr>
+        <p:blipFill>
+          <a:blip r:embed="rId4"/>
+          <a:stretch>
+            <a:fillRect/>
+          </a:stretch>
+        </p:blipFill>
+        <p:spPr>
+          <a:xfrm>
+            <a:off x="914400" y="5486400"/>
+            <a:ext cx="1828800" cy="1828800"/>
+          </a:xfrm>
+          <a:prstGeom prst="rect">
+            <a:avLst/>
+          </a:prstGeom>
+        </p:spPr>
+      </p:pic>
+      <p:pic>
+        <p:nvPicPr>
+          <p:cNvPr id="5" name="Picture 4" descr="image.jpg"/>
           <p:cNvPicPr>
             <a:picLocks noChangeAspect="1"/>
           </p:cNvPicPr>
           <p:nvPr/>
         </p:nvPicPr>
         <p:blipFill>
-          <a:blip r:embed="rId2"/>
+          <a:blip r:embed="rId5"/>
           <a:stretch>
             <a:fillRect/>
           </a:stretch>
@@ -3512,16 +3437,38 @@
   <p:clrMapOvr>
     <a:masterClrMapping/>
   </p:clrMapOvr>
+  <p:timing>
+    <p:tnLst>
+      <p:par>
+        <p:cTn id="1" dur="indefinite" restart="never" nodeType="tmRoot">
+          <p:childTnLst>
+            <p:video>
+              <p:cMediaNode vol="80000">
+                <p:cTn id="2" fill="hold" display="0">
+                  <p:stCondLst>
+                    <p:cond delay="indefinite"/>
+                  </p:stCondLst>
+                </p:cTn>
+                <p:tgtEl>
+                  <p:spTgt spid="4"/>
+                </p:tgtEl>
+              </p:cMediaNode>
+            </p:video>
+          </p:childTnLst>
+        </p:cTn>
+      </p:par>
+    </p:tnLst>
+  </p:timing>
 </p:sld>
 </file>
 
-<file path=ppt/slides/slide4.xml><?xml version="1.0" encoding="utf-8"?>
+<file path=ppt/slides/slide3.xml><?xml version="1.0" encoding="utf-8"?>
 <p:sld xmlns:a="http://schemas.openxmlformats.org/drawingml/2006/main" xmlns:p="http://schemas.openxmlformats.org/presentationml/2006/main" xmlns:r="http://schemas.openxmlformats.org/officeDocument/2006/relationships">
   <p:cSld>
     <p:bg>
       <p:bgPr>
         <a:solidFill>
-          <a:srgbClr val="000000"/>
+          <a:srgbClr val="FFFFFF"/>
         </a:solidFill>
         <a:effectLst/>
       </p:bgPr>
@@ -3551,9 +3498,9 @@
             <a:pPr>
               <a:defRPr>
                 <a:solidFill>
-                  <a:srgbClr val="07ACE4"/>
+                  <a:srgbClr val="000000"/>
                 </a:solidFill>
-                <a:latin typeface="Times New Roman"/>
+                <a:latin typeface="Verdana"/>
               </a:defRPr>
             </a:pPr>
             <a:r>
@@ -3587,79 +3534,106 @@
             <a:pPr>
               <a:defRPr>
                 <a:solidFill>
-                  <a:srgbClr val="07ACE4"/>
+                  <a:srgbClr val="000000"/>
                 </a:solidFill>
-                <a:latin typeface="Times New Roman"/>
+                <a:latin typeface="Verdana"/>
               </a:defRPr>
             </a:pPr>
             <a:r>
-              <a:t>Benefits on Quantum Computing:</a:t>
-            </a:r>
-          </a:p>
-          <a:p>
-            <a:pPr>
-              <a:defRPr sz="2000">
-                <a:solidFill>
-                  <a:srgbClr val="07ACE4"/>
-                </a:solidFill>
-                <a:latin typeface="Times New Roman"/>
-              </a:defRPr>
-            </a:pPr>
-            <a:r>
-              <a:t>- This article lists the companies worldwide engaged in the development of quantum computing, quantum communication and quantum sensing</a:t>
-            </a:r>
-          </a:p>
-          <a:p>
-            <a:pPr>
-              <a:defRPr sz="2000">
-                <a:solidFill>
-                  <a:srgbClr val="07ACE4"/>
-                </a:solidFill>
-                <a:latin typeface="Times New Roman"/>
-              </a:defRPr>
-            </a:pPr>
-            <a:r>
-              <a:t>- Quantum computing and communication are two sub-fields of quantum information science, which describes and theorizes information science in terms of quantum physics</a:t>
-            </a:r>
-          </a:p>
-          <a:p>
-            <a:pPr>
-              <a:defRPr sz="2000">
-                <a:solidFill>
-                  <a:srgbClr val="07ACE4"/>
-                </a:solidFill>
-                <a:latin typeface="Times New Roman"/>
-              </a:defRPr>
-            </a:pPr>
-            <a:r>
-              <a:t>- While the fundamental unit of classical information is the bit, the basic unit of quantum information is the qubit</a:t>
-            </a:r>
-          </a:p>
-          <a:p>
-            <a:pPr>
-              <a:defRPr sz="2000">
-                <a:solidFill>
-                  <a:srgbClr val="07ACE4"/>
-                </a:solidFill>
-                <a:latin typeface="Times New Roman"/>
-              </a:defRPr>
-            </a:pPr>
-            <a:r>
-              <a:t>- Quantum sensing is the third main sub-field of quantum technologies and it focus consists in taking advantage of the quantum states sensitivity to the surrounding environment to perform atomic scale measurements.</a:t>
+              <a:t>This is a timeline of quantum computing</a:t>
+            </a:r>
+          </a:p>
+          <a:p>
+            <a:r>
+              <a:t>Each time shown is either less approximately or more approximately corresponding to the time of the event</a:t>
+            </a:r>
+          </a:p>
+          <a:p>
+            <a:r>
+              <a:t>In some cases the date corresponds either to the date a publication was first received at the publisher or the publication date.</a:t>
+            </a:r>
+          </a:p>
+          <a:p/>
+          <a:p/>
+          <a:p>
+            <a:r>
+              <a:t>== 1960s ==</a:t>
+            </a:r>
+          </a:p>
+          <a:p/>
+          <a:p/>
+          <a:p>
+            <a:r>
+              <a:t>=== 1968/69/70 ===</a:t>
+            </a:r>
+          </a:p>
+          <a:p>
+            <a:r>
+              <a:t>Stephen Wiesner invents conjugate coding</a:t>
+            </a:r>
+          </a:p>
+          <a:p/>
+          <a:p/>
+          <a:p>
+            <a:r>
+              <a:t>=== 1969 ===</a:t>
+            </a:r>
+          </a:p>
+          <a:p>
+            <a:r>
+              <a:t>13 June – James L</a:t>
+            </a:r>
+          </a:p>
+          <a:p>
+            <a:r>
+              <a:t>Park (Washington State University, Pullman)'s paper is received by Foundations of Physics  in which he describes the non possibility of disturbance in a quantum  transition state in the context of a disproof of quantum jumps in the concept of the atom described by  Bohr</a:t>
             </a:r>
           </a:p>
         </p:txBody>
       </p:sp>
       <p:pic>
         <p:nvPicPr>
-          <p:cNvPr id="4" name="Picture 3" descr="image.jpg"/>
+          <p:cNvPr id="4" name="Quantum_Computing_slide3.mp3">
+            <a:hlinkClick r:id="" action="ppaction://media"/>
+          </p:cNvPr>
+          <p:cNvPicPr>
+            <a:picLocks noChangeAspect="1"/>
+          </p:cNvPicPr>
+          <p:nvPr>
+            <a:videoFile r:link="rId3"/>
+            <p:extLst>
+              <p:ext uri="{DAA4B4D4-6D71-4841-9C94-3DE7FCFB9230}">
+                <p14:media xmlns:p14="http://schemas.microsoft.com/office/powerpoint/2010/main" r:embed="rId2"/>
+              </p:ext>
+            </p:extLst>
+          </p:nvPr>
+        </p:nvPicPr>
+        <p:blipFill>
+          <a:blip r:embed="rId4"/>
+          <a:stretch>
+            <a:fillRect/>
+          </a:stretch>
+        </p:blipFill>
+        <p:spPr>
+          <a:xfrm>
+            <a:off x="914400" y="5486400"/>
+            <a:ext cx="1828800" cy="1828800"/>
+          </a:xfrm>
+          <a:prstGeom prst="rect">
+            <a:avLst/>
+          </a:prstGeom>
+        </p:spPr>
+      </p:pic>
+      <p:pic>
+        <p:nvPicPr>
+          <p:cNvPr id="5" name="Picture 4" descr="image.jpg"/>
           <p:cNvPicPr>
             <a:picLocks noChangeAspect="1"/>
           </p:cNvPicPr>
           <p:nvPr/>
         </p:nvPicPr>
         <p:blipFill>
-          <a:blip r:embed="rId2"/>
+          <a:blip r:embed="rId5"/>
           <a:stretch>
             <a:fillRect/>
           </a:stretch>
@@ -3679,16 +3653,38 @@
   <p:clrMapOvr>
     <a:masterClrMapping/>
   </p:clrMapOvr>
+  <p:timing>
+    <p:tnLst>
+      <p:par>
+        <p:cTn id="1" dur="indefinite" restart="never" nodeType="tmRoot">
+          <p:childTnLst>
+            <p:video>
+              <p:cMediaNode vol="80000">
+                <p:cTn id="2" fill="hold" display="0">
+                  <p:stCondLst>
+                    <p:cond delay="indefinite"/>
+                  </p:stCondLst>
+                </p:cTn>
+                <p:tgtEl>
+                  <p:spTgt spid="4"/>
+                </p:tgtEl>
+              </p:cMediaNode>
+            </p:video>
+          </p:childTnLst>
+        </p:cTn>
+      </p:par>
+    </p:tnLst>
+  </p:timing>
 </p:sld>
 </file>
 
-<file path=ppt/slides/slide5.xml><?xml version="1.0" encoding="utf-8"?>
+<file path=ppt/slides/slide4.xml><?xml version="1.0" encoding="utf-8"?>
 <p:sld xmlns:a="http://schemas.openxmlformats.org/drawingml/2006/main" xmlns:p="http://schemas.openxmlformats.org/presentationml/2006/main" xmlns:r="http://schemas.openxmlformats.org/officeDocument/2006/relationships">
   <p:cSld>
     <p:bg>
       <p:bgPr>
         <a:solidFill>
-          <a:srgbClr val="000000"/>
+          <a:srgbClr val="FFFFFF"/>
         </a:solidFill>
         <a:effectLst/>
       </p:bgPr>
@@ -3718,9 +3714,9 @@
             <a:pPr>
               <a:defRPr>
                 <a:solidFill>
-                  <a:srgbClr val="07ACE4"/>
+                  <a:srgbClr val="000000"/>
                 </a:solidFill>
-                <a:latin typeface="Times New Roman"/>
+                <a:latin typeface="Verdana"/>
               </a:defRPr>
             </a:pPr>
             <a:r>
@@ -3754,67 +3750,31 @@
             <a:pPr>
               <a:defRPr>
                 <a:solidFill>
-                  <a:srgbClr val="07ACE4"/>
+                  <a:srgbClr val="000000"/>
                 </a:solidFill>
-                <a:latin typeface="Times New Roman"/>
+                <a:latin typeface="Verdana"/>
               </a:defRPr>
             </a:pPr>
             <a:r>
-              <a:t>Challenges on Quantum Computing:</a:t>
-            </a:r>
-          </a:p>
-          <a:p>
-            <a:pPr>
-              <a:defRPr sz="2000">
-                <a:solidFill>
-                  <a:srgbClr val="07ACE4"/>
-                </a:solidFill>
-                <a:latin typeface="Times New Roman"/>
-              </a:defRPr>
-            </a:pPr>
-            <a:r>
-              <a:t>- A quantum computer is a computer that exploits quantum mechanical phenomena</a:t>
-            </a:r>
-          </a:p>
-          <a:p>
-            <a:pPr>
-              <a:defRPr sz="2000">
-                <a:solidFill>
-                  <a:srgbClr val="07ACE4"/>
-                </a:solidFill>
-                <a:latin typeface="Times New Roman"/>
-              </a:defRPr>
-            </a:pPr>
-            <a:r>
-              <a:t>- On small scales, physical matter exhibits properties of both particles and waves, and quantum computing leverages this behavior using specialized hardware</a:t>
-            </a:r>
-          </a:p>
-          <a:p>
-            <a:pPr>
-              <a:defRPr sz="2000">
-                <a:solidFill>
-                  <a:srgbClr val="07ACE4"/>
-                </a:solidFill>
-                <a:latin typeface="Times New Roman"/>
-              </a:defRPr>
-            </a:pPr>
-            <a:r>
-              <a:t>- Classical physics cannot explain the operation of these quantum devices, and a scalable quantum computer could perform some calculations exponentially faster than any modern "classical" computer</a:t>
-            </a:r>
-          </a:p>
-          <a:p>
-            <a:pPr>
-              <a:defRPr sz="2000">
-                <a:solidFill>
-                  <a:srgbClr val="07ACE4"/>
-                </a:solidFill>
-                <a:latin typeface="Times New Roman"/>
-              </a:defRPr>
-            </a:pPr>
-            <a:r>
-              <a:t>- Theoretically a large-scale quantum computer could break some widely used encryption schemes and aid physicists in performing physical simulations; however, the current state of the art is largely experimental and impractical, with several obstacles to useful applications.</a:t>
-            </a:r>
-            <a:br/>
+              <a:t>A quantum computer is a computer that exploits quantum mechanical phenomena</a:t>
+            </a:r>
+          </a:p>
+          <a:p>
+            <a:r>
+              <a:t>On small scales, physical matter exhibits properties of both particles and waves, and quantum computing leverages this behavior using specialized hardware</a:t>
+            </a:r>
+          </a:p>
+          <a:p>
+            <a:r>
+              <a:t>Classical physics cannot explain the operation of these quantum devices, and a scalable quantum computer could perform some calculations exponentially faster than any modern "classical" computer</a:t>
+            </a:r>
+          </a:p>
+          <a:p>
+            <a:r>
+              <a:t>Theoretically a large-scale quantum computer could break some widely used encryption schemes and aid physicists in performing physical simulations; however, the current state of the art is largely experimental and impractical, with several obstacles to useful applications.</a:t>
+            </a:r>
+          </a:p>
+          <a:p>
             <a:r>
               <a:t>The basic unit of information in quantum computing, the qubit (or "quantum bit"), serves the same function as the bit in classical computing.</a:t>
             </a:r>
@@ -3823,14 +3783,47 @@
       </p:sp>
       <p:pic>
         <p:nvPicPr>
-          <p:cNvPr id="4" name="Picture 3" descr="image.jpg"/>
+          <p:cNvPr id="4" name="Quantum_Computing_slide4.mp3">
+            <a:hlinkClick r:id="" action="ppaction://media"/>
+          </p:cNvPr>
+          <p:cNvPicPr>
+            <a:picLocks noChangeAspect="1"/>
+          </p:cNvPicPr>
+          <p:nvPr>
+            <a:videoFile r:link="rId3"/>
+            <p:extLst>
+              <p:ext uri="{DAA4B4D4-6D71-4841-9C94-3DE7FCFB9230}">
+                <p14:media xmlns:p14="http://schemas.microsoft.com/office/powerpoint/2010/main" r:embed="rId2"/>
+              </p:ext>
+            </p:extLst>
+          </p:nvPr>
+        </p:nvPicPr>
+        <p:blipFill>
+          <a:blip r:embed="rId4"/>
+          <a:stretch>
+            <a:fillRect/>
+          </a:stretch>
+        </p:blipFill>
+        <p:spPr>
+          <a:xfrm>
+            <a:off x="914400" y="5486400"/>
+            <a:ext cx="1828800" cy="1828800"/>
+          </a:xfrm>
+          <a:prstGeom prst="rect">
+            <a:avLst/>
+          </a:prstGeom>
+        </p:spPr>
+      </p:pic>
+      <p:pic>
+        <p:nvPicPr>
+          <p:cNvPr id="5" name="Picture 4" descr="image.jpg"/>
           <p:cNvPicPr>
             <a:picLocks noChangeAspect="1"/>
           </p:cNvPicPr>
           <p:nvPr/>
         </p:nvPicPr>
         <p:blipFill>
-          <a:blip r:embed="rId2"/>
+          <a:blip r:embed="rId5"/>
           <a:stretch>
             <a:fillRect/>
           </a:stretch>
@@ -3850,16 +3843,38 @@
   <p:clrMapOvr>
     <a:masterClrMapping/>
   </p:clrMapOvr>
+  <p:timing>
+    <p:tnLst>
+      <p:par>
+        <p:cTn id="1" dur="indefinite" restart="never" nodeType="tmRoot">
+          <p:childTnLst>
+            <p:video>
+              <p:cMediaNode vol="80000">
+                <p:cTn id="2" fill="hold" display="0">
+                  <p:stCondLst>
+                    <p:cond delay="indefinite"/>
+                  </p:stCondLst>
+                </p:cTn>
+                <p:tgtEl>
+                  <p:spTgt spid="4"/>
+                </p:tgtEl>
+              </p:cMediaNode>
+            </p:video>
+          </p:childTnLst>
+        </p:cTn>
+      </p:par>
+    </p:tnLst>
+  </p:timing>
 </p:sld>
 </file>
 
-<file path=ppt/slides/slide6.xml><?xml version="1.0" encoding="utf-8"?>
+<file path=ppt/slides/slide5.xml><?xml version="1.0" encoding="utf-8"?>
 <p:sld xmlns:a="http://schemas.openxmlformats.org/drawingml/2006/main" xmlns:p="http://schemas.openxmlformats.org/presentationml/2006/main" xmlns:r="http://schemas.openxmlformats.org/officeDocument/2006/relationships">
   <p:cSld>
     <p:bg>
       <p:bgPr>
         <a:solidFill>
-          <a:srgbClr val="000000"/>
+          <a:srgbClr val="FFFFFF"/>
         </a:solidFill>
         <a:effectLst/>
       </p:bgPr>
@@ -3889,9 +3904,9 @@
             <a:pPr>
               <a:defRPr>
                 <a:solidFill>
-                  <a:srgbClr val="07ACE4"/>
+                  <a:srgbClr val="000000"/>
                 </a:solidFill>
-                <a:latin typeface="Times New Roman"/>
+                <a:latin typeface="Verdana"/>
               </a:defRPr>
             </a:pPr>
             <a:r>
@@ -3925,40 +3940,60 @@
             <a:pPr>
               <a:defRPr>
                 <a:solidFill>
-                  <a:srgbClr val="07ACE4"/>
+                  <a:srgbClr val="000000"/>
                 </a:solidFill>
-                <a:latin typeface="Times New Roman"/>
+                <a:latin typeface="Verdana"/>
               </a:defRPr>
             </a:pPr>
             <a:r>
-              <a:t>Future Scope on Quantum Computing:</a:t>
-            </a:r>
-          </a:p>
-          <a:p>
-            <a:pPr>
-              <a:defRPr sz="2000">
-                <a:solidFill>
-                  <a:srgbClr val="07ACE4"/>
-                </a:solidFill>
-                <a:latin typeface="Times New Roman"/>
-              </a:defRPr>
-            </a:pPr>
-            <a:r>
-              <a:t>- No relevant data found.</a:t>
+              <a:t>No relevant data found.</a:t>
             </a:r>
           </a:p>
         </p:txBody>
       </p:sp>
       <p:pic>
         <p:nvPicPr>
-          <p:cNvPr id="4" name="Picture 3" descr="image.jpg"/>
+          <p:cNvPr id="4" name="Quantum_Computing_slide5.mp3">
+            <a:hlinkClick r:id="" action="ppaction://media"/>
+          </p:cNvPr>
+          <p:cNvPicPr>
+            <a:picLocks noChangeAspect="1"/>
+          </p:cNvPicPr>
+          <p:nvPr>
+            <a:videoFile r:link="rId3"/>
+            <p:extLst>
+              <p:ext uri="{DAA4B4D4-6D71-4841-9C94-3DE7FCFB9230}">
+                <p14:media xmlns:p14="http://schemas.microsoft.com/office/powerpoint/2010/main" r:embed="rId2"/>
+              </p:ext>
+            </p:extLst>
+          </p:nvPr>
+        </p:nvPicPr>
+        <p:blipFill>
+          <a:blip r:embed="rId4"/>
+          <a:stretch>
+            <a:fillRect/>
+          </a:stretch>
+        </p:blipFill>
+        <p:spPr>
+          <a:xfrm>
+            <a:off x="914400" y="5486400"/>
+            <a:ext cx="1828800" cy="1828800"/>
+          </a:xfrm>
+          <a:prstGeom prst="rect">
+            <a:avLst/>
+          </a:prstGeom>
+        </p:spPr>
+      </p:pic>
+      <p:pic>
+        <p:nvPicPr>
+          <p:cNvPr id="5" name="Picture 4" descr="image.jpg"/>
           <p:cNvPicPr>
             <a:picLocks noChangeAspect="1"/>
           </p:cNvPicPr>
           <p:nvPr/>
         </p:nvPicPr>
         <p:blipFill>
-          <a:blip r:embed="rId2"/>
+          <a:blip r:embed="rId5"/>
           <a:stretch>
             <a:fillRect/>
           </a:stretch>
@@ -3978,162 +4013,28 @@
   <p:clrMapOvr>
     <a:masterClrMapping/>
   </p:clrMapOvr>
-</p:sld>
-</file>
-
-<file path=ppt/slides/slide7.xml><?xml version="1.0" encoding="utf-8"?>
-<p:sld xmlns:a="http://schemas.openxmlformats.org/drawingml/2006/main" xmlns:p="http://schemas.openxmlformats.org/presentationml/2006/main" xmlns:r="http://schemas.openxmlformats.org/officeDocument/2006/relationships">
-  <p:cSld>
-    <p:bg>
-      <p:bgPr>
-        <a:solidFill>
-          <a:srgbClr val="000000"/>
-        </a:solidFill>
-        <a:effectLst/>
-      </p:bgPr>
-    </p:bg>
-    <p:spTree>
-      <p:nvGrpSpPr>
-        <p:cNvPr id="1" name=""/>
-        <p:cNvGrpSpPr/>
-        <p:nvPr/>
-      </p:nvGrpSpPr>
-      <p:grpSpPr/>
-      <p:sp>
-        <p:nvSpPr>
-          <p:cNvPr id="2" name="Title 1"/>
-          <p:cNvSpPr>
-            <a:spLocks noGrp="1"/>
-          </p:cNvSpPr>
-          <p:nvPr>
-            <p:ph type="title"/>
-          </p:nvPr>
-        </p:nvSpPr>
-        <p:spPr/>
-        <p:txBody>
-          <a:bodyPr/>
-          <a:lstStyle/>
-          <a:p>
-            <a:pPr>
-              <a:defRPr>
-                <a:solidFill>
-                  <a:srgbClr val="07ACE4"/>
-                </a:solidFill>
-                <a:latin typeface="Times New Roman"/>
-              </a:defRPr>
-            </a:pPr>
-            <a:r>
-              <a:t>Conclusion</a:t>
-            </a:r>
-          </a:p>
-        </p:txBody>
-      </p:sp>
-      <p:sp>
-        <p:nvSpPr>
-          <p:cNvPr id="3" name="TextBox 2"/>
-          <p:cNvSpPr txBox="1"/>
-          <p:nvPr/>
-        </p:nvSpPr>
-        <p:spPr>
-          <a:xfrm>
-            <a:off x="914400" y="1828800"/>
-            <a:ext cx="12801600" cy="3657600"/>
-          </a:xfrm>
-          <a:prstGeom prst="rect">
-            <a:avLst/>
-          </a:prstGeom>
-          <a:noFill/>
-        </p:spPr>
-        <p:txBody>
-          <a:bodyPr wrap="none">
-            <a:spAutoFit/>
-          </a:bodyPr>
-          <a:lstStyle/>
-          <a:p>
-            <a:pPr>
-              <a:defRPr>
-                <a:solidFill>
-                  <a:srgbClr val="07ACE4"/>
-                </a:solidFill>
-                <a:latin typeface="Times New Roman"/>
-              </a:defRPr>
-            </a:pPr>
-            <a:r>
-              <a:t>Key Takeaways:</a:t>
-            </a:r>
-          </a:p>
-          <a:p>
-            <a:pPr>
-              <a:defRPr sz="2200">
-                <a:solidFill>
-                  <a:srgbClr val="07ACE4"/>
-                </a:solidFill>
-                <a:latin typeface="Times New Roman"/>
-              </a:defRPr>
-            </a:pPr>
-            <a:r>
-              <a:t>- Introduction</a:t>
-            </a:r>
-          </a:p>
-          <a:p>
-            <a:pPr>
-              <a:defRPr sz="2200">
-                <a:solidFill>
-                  <a:srgbClr val="07ACE4"/>
-                </a:solidFill>
-                <a:latin typeface="Times New Roman"/>
-              </a:defRPr>
-            </a:pPr>
-            <a:r>
-              <a:t>- Key Features</a:t>
-            </a:r>
-          </a:p>
-          <a:p>
-            <a:pPr>
-              <a:defRPr sz="2200">
-                <a:solidFill>
-                  <a:srgbClr val="07ACE4"/>
-                </a:solidFill>
-                <a:latin typeface="Times New Roman"/>
-              </a:defRPr>
-            </a:pPr>
-            <a:r>
-              <a:t>- Benefits</a:t>
-            </a:r>
-          </a:p>
-          <a:p>
-            <a:pPr>
-              <a:defRPr sz="2200">
-                <a:solidFill>
-                  <a:srgbClr val="07ACE4"/>
-                </a:solidFill>
-                <a:latin typeface="Times New Roman"/>
-              </a:defRPr>
-            </a:pPr>
-            <a:r>
-              <a:t>- Challenges</a:t>
-            </a:r>
-          </a:p>
-          <a:p>
-            <a:pPr>
-              <a:defRPr sz="2200">
-                <a:solidFill>
-                  <a:srgbClr val="07ACE4"/>
-                </a:solidFill>
-                <a:latin typeface="Times New Roman"/>
-              </a:defRPr>
-            </a:pPr>
-            <a:r>
-              <a:t>- Future Scope</a:t>
-            </a:r>
-          </a:p>
-        </p:txBody>
-      </p:sp>
-    </p:spTree>
-  </p:cSld>
-  <p:clrMapOvr>
-    <a:masterClrMapping/>
-  </p:clrMapOvr>
+  <p:timing>
+    <p:tnLst>
+      <p:par>
+        <p:cTn id="1" dur="indefinite" restart="never" nodeType="tmRoot">
+          <p:childTnLst>
+            <p:video>
+              <p:cMediaNode vol="80000">
+                <p:cTn id="2" fill="hold" display="0">
+                  <p:stCondLst>
+                    <p:cond delay="indefinite"/>
+                  </p:stCondLst>
+                </p:cTn>
+                <p:tgtEl>
+                  <p:spTgt spid="4"/>
+                </p:tgtEl>
+              </p:cMediaNode>
+            </p:video>
+          </p:childTnLst>
+        </p:cTn>
+      </p:par>
+    </p:tnLst>
+  </p:timing>
 </p:sld>
 </file>
 
